--- a/Wind Farms Designer.pptx
+++ b/Wind Farms Designer.pptx
@@ -5,7 +5,7 @@
     <p:sldMasterId id="2147483648" r:id="rId1"/>
   </p:sldMasterIdLst>
   <p:notesMasterIdLst>
-    <p:notesMasterId r:id="rId15"/>
+    <p:notesMasterId r:id="rId16"/>
   </p:notesMasterIdLst>
   <p:sldIdLst>
     <p:sldId id="259" r:id="rId2"/>
@@ -19,8 +19,9 @@
     <p:sldId id="264" r:id="rId10"/>
     <p:sldId id="265" r:id="rId11"/>
     <p:sldId id="266" r:id="rId12"/>
-    <p:sldId id="267" r:id="rId13"/>
-    <p:sldId id="268" r:id="rId14"/>
+    <p:sldId id="269" r:id="rId13"/>
+    <p:sldId id="267" r:id="rId14"/>
+    <p:sldId id="268" r:id="rId15"/>
   </p:sldIdLst>
   <p:sldSz cx="12192000" cy="6858000"/>
   <p:notesSz cx="6858000" cy="9144000"/>
@@ -209,7 +210,7 @@
           <a:p>
             <a:fld id="{00795045-5774-4CB6-95C1-1277BA9EE302}" type="datetimeFigureOut">
               <a:rPr lang="en-US" smtClean="0"/>
-              <a:t>11/10/2014</a:t>
+              <a:t>11/11/2014</a:t>
             </a:fld>
             <a:endParaRPr lang="en-US"/>
           </a:p>
@@ -889,7 +890,7 @@
           <a:p>
             <a:fld id="{FBB5C724-FB93-4F33-BB48-DEEB56A0EDC6}" type="datetimeFigureOut">
               <a:rPr lang="en-US" smtClean="0"/>
-              <a:t>11/10/2014</a:t>
+              <a:t>11/11/2014</a:t>
             </a:fld>
             <a:endParaRPr lang="en-US"/>
           </a:p>
@@ -1059,7 +1060,7 @@
           <a:p>
             <a:fld id="{FBB5C724-FB93-4F33-BB48-DEEB56A0EDC6}" type="datetimeFigureOut">
               <a:rPr lang="en-US" smtClean="0"/>
-              <a:t>11/10/2014</a:t>
+              <a:t>11/11/2014</a:t>
             </a:fld>
             <a:endParaRPr lang="en-US"/>
           </a:p>
@@ -1239,7 +1240,7 @@
           <a:p>
             <a:fld id="{FBB5C724-FB93-4F33-BB48-DEEB56A0EDC6}" type="datetimeFigureOut">
               <a:rPr lang="en-US" smtClean="0"/>
-              <a:t>11/10/2014</a:t>
+              <a:t>11/11/2014</a:t>
             </a:fld>
             <a:endParaRPr lang="en-US"/>
           </a:p>
@@ -1409,7 +1410,7 @@
           <a:p>
             <a:fld id="{FBB5C724-FB93-4F33-BB48-DEEB56A0EDC6}" type="datetimeFigureOut">
               <a:rPr lang="en-US" smtClean="0"/>
-              <a:t>11/10/2014</a:t>
+              <a:t>11/11/2014</a:t>
             </a:fld>
             <a:endParaRPr lang="en-US"/>
           </a:p>
@@ -1655,7 +1656,7 @@
           <a:p>
             <a:fld id="{FBB5C724-FB93-4F33-BB48-DEEB56A0EDC6}" type="datetimeFigureOut">
               <a:rPr lang="en-US" smtClean="0"/>
-              <a:t>11/10/2014</a:t>
+              <a:t>11/11/2014</a:t>
             </a:fld>
             <a:endParaRPr lang="en-US"/>
           </a:p>
@@ -1887,7 +1888,7 @@
           <a:p>
             <a:fld id="{FBB5C724-FB93-4F33-BB48-DEEB56A0EDC6}" type="datetimeFigureOut">
               <a:rPr lang="en-US" smtClean="0"/>
-              <a:t>11/10/2014</a:t>
+              <a:t>11/11/2014</a:t>
             </a:fld>
             <a:endParaRPr lang="en-US"/>
           </a:p>
@@ -2254,7 +2255,7 @@
           <a:p>
             <a:fld id="{FBB5C724-FB93-4F33-BB48-DEEB56A0EDC6}" type="datetimeFigureOut">
               <a:rPr lang="en-US" smtClean="0"/>
-              <a:t>11/10/2014</a:t>
+              <a:t>11/11/2014</a:t>
             </a:fld>
             <a:endParaRPr lang="en-US"/>
           </a:p>
@@ -2372,7 +2373,7 @@
           <a:p>
             <a:fld id="{FBB5C724-FB93-4F33-BB48-DEEB56A0EDC6}" type="datetimeFigureOut">
               <a:rPr lang="en-US" smtClean="0"/>
-              <a:t>11/10/2014</a:t>
+              <a:t>11/11/2014</a:t>
             </a:fld>
             <a:endParaRPr lang="en-US"/>
           </a:p>
@@ -2467,7 +2468,7 @@
           <a:p>
             <a:fld id="{FBB5C724-FB93-4F33-BB48-DEEB56A0EDC6}" type="datetimeFigureOut">
               <a:rPr lang="en-US" smtClean="0"/>
-              <a:t>11/10/2014</a:t>
+              <a:t>11/11/2014</a:t>
             </a:fld>
             <a:endParaRPr lang="en-US"/>
           </a:p>
@@ -2744,7 +2745,7 @@
           <a:p>
             <a:fld id="{FBB5C724-FB93-4F33-BB48-DEEB56A0EDC6}" type="datetimeFigureOut">
               <a:rPr lang="en-US" smtClean="0"/>
-              <a:t>11/10/2014</a:t>
+              <a:t>11/11/2014</a:t>
             </a:fld>
             <a:endParaRPr lang="en-US"/>
           </a:p>
@@ -2997,7 +2998,7 @@
           <a:p>
             <a:fld id="{FBB5C724-FB93-4F33-BB48-DEEB56A0EDC6}" type="datetimeFigureOut">
               <a:rPr lang="en-US" smtClean="0"/>
-              <a:t>11/10/2014</a:t>
+              <a:t>11/11/2014</a:t>
             </a:fld>
             <a:endParaRPr lang="en-US"/>
           </a:p>
@@ -3210,7 +3211,7 @@
           <a:p>
             <a:fld id="{FBB5C724-FB93-4F33-BB48-DEEB56A0EDC6}" type="datetimeFigureOut">
               <a:rPr lang="en-US" smtClean="0"/>
-              <a:t>11/10/2014</a:t>
+              <a:t>11/11/2014</a:t>
             </a:fld>
             <a:endParaRPr lang="en-US"/>
           </a:p>
@@ -3955,6 +3956,200 @@
         <p:spPr>
           <a:xfrm>
             <a:off x="838200" y="365125"/>
+            <a:ext cx="10515600" cy="762635"/>
+          </a:xfrm>
+        </p:spPr>
+        <p:txBody>
+          <a:bodyPr>
+            <a:normAutofit fontScale="90000"/>
+          </a:bodyPr>
+          <a:lstStyle/>
+          <a:p>
+            <a:pPr algn="ctr"/>
+            <a:r>
+              <a:rPr lang="en-US" b="1" dirty="0" smtClean="0"/>
+              <a:t>Software </a:t>
+            </a:r>
+            <a:r>
+              <a:rPr lang="en-US" b="1" dirty="0"/>
+              <a:t>&amp; Hardware Tools.</a:t>
+            </a:r>
+            <a:r>
+              <a:rPr lang="en-US" dirty="0"/>
+              <a:t/>
+            </a:r>
+            <a:br>
+              <a:rPr lang="en-US" dirty="0"/>
+            </a:br>
+            <a:endParaRPr lang="en-US" dirty="0"/>
+          </a:p>
+        </p:txBody>
+      </p:sp>
+      <p:sp>
+        <p:nvSpPr>
+          <p:cNvPr id="3" name="Content Placeholder 2"/>
+          <p:cNvSpPr>
+            <a:spLocks noGrp="1"/>
+          </p:cNvSpPr>
+          <p:nvPr>
+            <p:ph idx="1"/>
+          </p:nvPr>
+        </p:nvSpPr>
+        <p:spPr>
+          <a:xfrm>
+            <a:off x="838200" y="975360"/>
+            <a:ext cx="10515600" cy="5379720"/>
+          </a:xfrm>
+        </p:spPr>
+        <p:txBody>
+          <a:bodyPr/>
+          <a:lstStyle/>
+          <a:p>
+            <a:r>
+              <a:rPr lang="en-US" dirty="0"/>
+              <a:t>Software</a:t>
+            </a:r>
+          </a:p>
+          <a:p>
+            <a:pPr marL="0" indent="0">
+              <a:buNone/>
+            </a:pPr>
+            <a:r>
+              <a:rPr lang="en-US" dirty="0" smtClean="0"/>
+              <a:t>	ODBC</a:t>
+            </a:r>
+            <a:endParaRPr lang="en-US" dirty="0"/>
+          </a:p>
+          <a:p>
+            <a:pPr marL="0" indent="0">
+              <a:buNone/>
+            </a:pPr>
+            <a:r>
+              <a:rPr lang="en-US" dirty="0" smtClean="0"/>
+              <a:t>	database </a:t>
+            </a:r>
+            <a:r>
+              <a:rPr lang="en-US" dirty="0"/>
+              <a:t>servers</a:t>
+            </a:r>
+          </a:p>
+          <a:p>
+            <a:endParaRPr lang="en-US" dirty="0" smtClean="0"/>
+          </a:p>
+          <a:p>
+            <a:r>
+              <a:rPr lang="en-US" dirty="0"/>
+              <a:t>online functionality</a:t>
+            </a:r>
+          </a:p>
+          <a:p>
+            <a:pPr marL="0" indent="0">
+              <a:buNone/>
+            </a:pPr>
+            <a:r>
+              <a:rPr lang="en-US" dirty="0" smtClean="0"/>
+              <a:t>	map </a:t>
+            </a:r>
+            <a:r>
+              <a:rPr lang="en-US" dirty="0"/>
+              <a:t>within GPS</a:t>
+            </a:r>
+          </a:p>
+          <a:p>
+            <a:endParaRPr lang="en-US" dirty="0"/>
+          </a:p>
+          <a:p>
+            <a:r>
+              <a:rPr lang="en-US" dirty="0"/>
+              <a:t>hardware </a:t>
+            </a:r>
+          </a:p>
+          <a:p>
+            <a:r>
+              <a:rPr lang="en-US" dirty="0"/>
+              <a:t>Processor, </a:t>
+            </a:r>
+            <a:r>
+              <a:rPr lang="en-US" dirty="0" err="1"/>
+              <a:t>Memory,Graphics</a:t>
+            </a:r>
+            <a:r>
+              <a:rPr lang="en-US" dirty="0"/>
+              <a:t> and </a:t>
+            </a:r>
+            <a:r>
+              <a:rPr lang="en-US" dirty="0" smtClean="0"/>
+              <a:t>Screen</a:t>
+            </a:r>
+            <a:br>
+              <a:rPr lang="en-US" dirty="0" smtClean="0"/>
+            </a:br>
+            <a:r>
+              <a:rPr lang="en-US" dirty="0" smtClean="0"/>
+              <a:t> </a:t>
+            </a:r>
+            <a:r>
+              <a:rPr lang="en-US" dirty="0" err="1"/>
+              <a:t>Resolution,Disk</a:t>
+            </a:r>
+            <a:r>
+              <a:rPr lang="en-US" dirty="0"/>
+              <a:t> </a:t>
+            </a:r>
+            <a:r>
+              <a:rPr lang="en-US" dirty="0" err="1"/>
+              <a:t>space,ports</a:t>
+            </a:r>
+            <a:r>
+              <a:rPr lang="en-US" dirty="0"/>
+              <a:t> (computer)</a:t>
+            </a:r>
+          </a:p>
+        </p:txBody>
+      </p:sp>
+    </p:spTree>
+    <p:extLst>
+      <p:ext uri="{BB962C8B-B14F-4D97-AF65-F5344CB8AC3E}">
+        <p14:creationId xmlns:p14="http://schemas.microsoft.com/office/powerpoint/2010/main" val="4192888494"/>
+      </p:ext>
+    </p:extLst>
+  </p:cSld>
+  <p:clrMapOvr>
+    <a:masterClrMapping/>
+  </p:clrMapOvr>
+</p:sld>
+</file>
+
+<file path=ppt/slides/slide13.xml><?xml version="1.0" encoding="utf-8"?>
+<p:sld xmlns:a="http://schemas.openxmlformats.org/drawingml/2006/main" xmlns:r="http://schemas.openxmlformats.org/officeDocument/2006/relationships" xmlns:p="http://schemas.openxmlformats.org/presentationml/2006/main">
+  <p:cSld>
+    <p:spTree>
+      <p:nvGrpSpPr>
+        <p:cNvPr id="1" name=""/>
+        <p:cNvGrpSpPr/>
+        <p:nvPr/>
+      </p:nvGrpSpPr>
+      <p:grpSpPr>
+        <a:xfrm>
+          <a:off x="0" y="0"/>
+          <a:ext cx="0" cy="0"/>
+          <a:chOff x="0" y="0"/>
+          <a:chExt cx="0" cy="0"/>
+        </a:xfrm>
+      </p:grpSpPr>
+      <p:sp>
+        <p:nvSpPr>
+          <p:cNvPr id="2" name="Title 1"/>
+          <p:cNvSpPr>
+            <a:spLocks noGrp="1"/>
+          </p:cNvSpPr>
+          <p:nvPr>
+            <p:ph type="title"/>
+          </p:nvPr>
+        </p:nvSpPr>
+        <p:spPr>
+          <a:xfrm>
+            <a:off x="838200" y="365125"/>
             <a:ext cx="10515600" cy="777875"/>
           </a:xfrm>
         </p:spPr>
@@ -4020,7 +4215,7 @@
 </p:sld>
 </file>
 
-<file path=ppt/slides/slide13.xml><?xml version="1.0" encoding="utf-8"?>
+<file path=ppt/slides/slide14.xml><?xml version="1.0" encoding="utf-8"?>
 <p:sld xmlns:a="http://schemas.openxmlformats.org/drawingml/2006/main" xmlns:r="http://schemas.openxmlformats.org/officeDocument/2006/relationships" xmlns:p="http://schemas.openxmlformats.org/presentationml/2006/main">
   <p:cSld>
     <p:spTree>
@@ -5135,13 +5330,8 @@
             </a:pPr>
             <a:r>
               <a:rPr lang="en-US" dirty="0" smtClean="0"/>
-              <a:t>problems </a:t>
-            </a:r>
-            <a:r>
-              <a:rPr lang="en-US" dirty="0" smtClean="0"/>
-              <a:t>of :</a:t>
-            </a:r>
-            <a:endParaRPr lang="en-US" dirty="0" smtClean="0"/>
+              <a:t>problems of :</a:t>
+            </a:r>
           </a:p>
           <a:p>
             <a:pPr marL="0" indent="0">
@@ -5174,11 +5364,7 @@
             </a:r>
             <a:r>
               <a:rPr lang="en-US" dirty="0" smtClean="0"/>
-              <a:t>turbines </a:t>
-            </a:r>
-            <a:r>
-              <a:rPr lang="en-US" dirty="0" smtClean="0"/>
-              <a:t>to make </a:t>
+              <a:t>turbines to make </a:t>
             </a:r>
           </a:p>
           <a:p>

--- a/Wind Farms Designer.pptx
+++ b/Wind Farms Designer.pptx
@@ -210,7 +210,7 @@
           <a:p>
             <a:fld id="{00795045-5774-4CB6-95C1-1277BA9EE302}" type="datetimeFigureOut">
               <a:rPr lang="en-US" smtClean="0"/>
-              <a:t>11/11/2014</a:t>
+              <a:t>11/12/2014</a:t>
             </a:fld>
             <a:endParaRPr lang="en-US"/>
           </a:p>
@@ -900,7 +900,7 @@
           <a:noFill/>
           <a:extLst>
             <a:ext uri="{909E8E84-426E-40dd-AFC4-6F175D3DCCD1}">
-              <a14:hiddenFill xmlns:a14="http://schemas.microsoft.com/office/drawing/2010/main" xmlns="">
+              <a14:hiddenFill xmlns="" xmlns:a14="http://schemas.microsoft.com/office/drawing/2010/main">
                 <a:solidFill>
                   <a:srgbClr val="FFFFFF"/>
                 </a:solidFill>
@@ -959,7 +959,7 @@
             </a:ln>
             <a:extLst>
               <a:ext uri="{91240B29-F687-4f45-9708-019B960494DF}">
-                <a14:hiddenLine xmlns:a14="http://schemas.microsoft.com/office/drawing/2010/main" xmlns="" w="9525">
+                <a14:hiddenLine xmlns="" xmlns:a14="http://schemas.microsoft.com/office/drawing/2010/main" w="9525">
                   <a:solidFill>
                     <a:srgbClr val="000000"/>
                   </a:solidFill>
@@ -1049,7 +1049,7 @@
             </a:ln>
             <a:extLst>
               <a:ext uri="{91240B29-F687-4f45-9708-019B960494DF}">
-                <a14:hiddenLine xmlns:a14="http://schemas.microsoft.com/office/drawing/2010/main" xmlns="" w="9525">
+                <a14:hiddenLine xmlns="" xmlns:a14="http://schemas.microsoft.com/office/drawing/2010/main" w="9525">
                   <a:solidFill>
                     <a:srgbClr val="000000"/>
                   </a:solidFill>
@@ -1139,7 +1139,7 @@
             </a:ln>
             <a:extLst>
               <a:ext uri="{91240B29-F687-4f45-9708-019B960494DF}">
-                <a14:hiddenLine xmlns:a14="http://schemas.microsoft.com/office/drawing/2010/main" xmlns="" w="9525">
+                <a14:hiddenLine xmlns="" xmlns:a14="http://schemas.microsoft.com/office/drawing/2010/main" w="9525">
                   <a:solidFill>
                     <a:srgbClr val="000000"/>
                   </a:solidFill>
@@ -1173,7 +1173,7 @@
             </a:ln>
             <a:extLst>
               <a:ext uri="{91240B29-F687-4f45-9708-019B960494DF}">
-                <a14:hiddenLine xmlns:a14="http://schemas.microsoft.com/office/drawing/2010/main" xmlns="" w="9525">
+                <a14:hiddenLine xmlns="" xmlns:a14="http://schemas.microsoft.com/office/drawing/2010/main" w="9525">
                   <a:solidFill>
                     <a:srgbClr val="000000"/>
                   </a:solidFill>
@@ -1263,7 +1263,7 @@
             </a:ln>
             <a:extLst>
               <a:ext uri="{91240B29-F687-4f45-9708-019B960494DF}">
-                <a14:hiddenLine xmlns:a14="http://schemas.microsoft.com/office/drawing/2010/main" xmlns="" w="9525">
+                <a14:hiddenLine xmlns="" xmlns:a14="http://schemas.microsoft.com/office/drawing/2010/main" w="9525">
                   <a:solidFill>
                     <a:srgbClr val="000000"/>
                   </a:solidFill>
@@ -1325,7 +1325,7 @@
             </a:ln>
             <a:extLst>
               <a:ext uri="{91240B29-F687-4f45-9708-019B960494DF}">
-                <a14:hiddenLine xmlns:a14="http://schemas.microsoft.com/office/drawing/2010/main" xmlns="" w="9525">
+                <a14:hiddenLine xmlns="" xmlns:a14="http://schemas.microsoft.com/office/drawing/2010/main" w="9525">
                   <a:solidFill>
                     <a:srgbClr val="000000"/>
                   </a:solidFill>
@@ -1387,7 +1387,7 @@
             </a:ln>
             <a:extLst>
               <a:ext uri="{91240B29-F687-4f45-9708-019B960494DF}">
-                <a14:hiddenLine xmlns:a14="http://schemas.microsoft.com/office/drawing/2010/main" xmlns="" w="9525">
+                <a14:hiddenLine xmlns="" xmlns:a14="http://schemas.microsoft.com/office/drawing/2010/main" w="9525">
                   <a:solidFill>
                     <a:srgbClr val="000000"/>
                   </a:solidFill>
@@ -1477,7 +1477,7 @@
             </a:ln>
             <a:extLst>
               <a:ext uri="{91240B29-F687-4f45-9708-019B960494DF}">
-                <a14:hiddenLine xmlns:a14="http://schemas.microsoft.com/office/drawing/2010/main" xmlns="" w="9525">
+                <a14:hiddenLine xmlns="" xmlns:a14="http://schemas.microsoft.com/office/drawing/2010/main" w="9525">
                   <a:solidFill>
                     <a:srgbClr val="000000"/>
                   </a:solidFill>
@@ -1539,7 +1539,7 @@
             </a:ln>
             <a:extLst>
               <a:ext uri="{91240B29-F687-4f45-9708-019B960494DF}">
-                <a14:hiddenLine xmlns:a14="http://schemas.microsoft.com/office/drawing/2010/main" xmlns="" w="9525">
+                <a14:hiddenLine xmlns="" xmlns:a14="http://schemas.microsoft.com/office/drawing/2010/main" w="9525">
                   <a:solidFill>
                     <a:srgbClr val="000000"/>
                   </a:solidFill>
@@ -1601,7 +1601,7 @@
             </a:ln>
             <a:extLst>
               <a:ext uri="{91240B29-F687-4f45-9708-019B960494DF}">
-                <a14:hiddenLine xmlns:a14="http://schemas.microsoft.com/office/drawing/2010/main" xmlns="" w="9525">
+                <a14:hiddenLine xmlns="" xmlns:a14="http://schemas.microsoft.com/office/drawing/2010/main" w="9525">
                   <a:solidFill>
                     <a:srgbClr val="000000"/>
                   </a:solidFill>
@@ -1691,7 +1691,7 @@
             </a:ln>
             <a:extLst>
               <a:ext uri="{91240B29-F687-4f45-9708-019B960494DF}">
-                <a14:hiddenLine xmlns:a14="http://schemas.microsoft.com/office/drawing/2010/main" xmlns="" w="9525">
+                <a14:hiddenLine xmlns="" xmlns:a14="http://schemas.microsoft.com/office/drawing/2010/main" w="9525">
                   <a:solidFill>
                     <a:srgbClr val="000000"/>
                   </a:solidFill>
@@ -1781,7 +1781,7 @@
             </a:ln>
             <a:extLst>
               <a:ext uri="{91240B29-F687-4f45-9708-019B960494DF}">
-                <a14:hiddenLine xmlns:a14="http://schemas.microsoft.com/office/drawing/2010/main" xmlns="" w="9525">
+                <a14:hiddenLine xmlns="" xmlns:a14="http://schemas.microsoft.com/office/drawing/2010/main" w="9525">
                   <a:solidFill>
                     <a:srgbClr val="000000"/>
                   </a:solidFill>
@@ -1843,7 +1843,7 @@
             </a:ln>
             <a:extLst>
               <a:ext uri="{91240B29-F687-4f45-9708-019B960494DF}">
-                <a14:hiddenLine xmlns:a14="http://schemas.microsoft.com/office/drawing/2010/main" xmlns="" w="9525">
+                <a14:hiddenLine xmlns="" xmlns:a14="http://schemas.microsoft.com/office/drawing/2010/main" w="9525">
                   <a:solidFill>
                     <a:srgbClr val="000000"/>
                   </a:solidFill>
@@ -1953,7 +1953,7 @@
             </a:ln>
             <a:extLst>
               <a:ext uri="{91240B29-F687-4f45-9708-019B960494DF}">
-                <a14:hiddenLine xmlns:a14="http://schemas.microsoft.com/office/drawing/2010/main" xmlns="" w="9525">
+                <a14:hiddenLine xmlns="" xmlns:a14="http://schemas.microsoft.com/office/drawing/2010/main" w="9525">
                   <a:solidFill>
                     <a:srgbClr val="000000"/>
                   </a:solidFill>
@@ -2015,7 +2015,7 @@
             </a:ln>
             <a:extLst>
               <a:ext uri="{91240B29-F687-4f45-9708-019B960494DF}">
-                <a14:hiddenLine xmlns:a14="http://schemas.microsoft.com/office/drawing/2010/main" xmlns="" w="9525">
+                <a14:hiddenLine xmlns="" xmlns:a14="http://schemas.microsoft.com/office/drawing/2010/main" w="9525">
                   <a:solidFill>
                     <a:srgbClr val="000000"/>
                   </a:solidFill>
@@ -2105,7 +2105,7 @@
             </a:ln>
             <a:extLst>
               <a:ext uri="{91240B29-F687-4f45-9708-019B960494DF}">
-                <a14:hiddenLine xmlns:a14="http://schemas.microsoft.com/office/drawing/2010/main" xmlns="" w="9525">
+                <a14:hiddenLine xmlns="" xmlns:a14="http://schemas.microsoft.com/office/drawing/2010/main" w="9525">
                   <a:solidFill>
                     <a:srgbClr val="000000"/>
                   </a:solidFill>
@@ -2195,7 +2195,7 @@
             </a:ln>
             <a:extLst>
               <a:ext uri="{91240B29-F687-4f45-9708-019B960494DF}">
-                <a14:hiddenLine xmlns:a14="http://schemas.microsoft.com/office/drawing/2010/main" xmlns="" w="9525">
+                <a14:hiddenLine xmlns="" xmlns:a14="http://schemas.microsoft.com/office/drawing/2010/main" w="9525">
                   <a:solidFill>
                     <a:srgbClr val="000000"/>
                   </a:solidFill>
@@ -2257,7 +2257,7 @@
             </a:ln>
             <a:extLst>
               <a:ext uri="{91240B29-F687-4f45-9708-019B960494DF}">
-                <a14:hiddenLine xmlns:a14="http://schemas.microsoft.com/office/drawing/2010/main" xmlns="" w="9525">
+                <a14:hiddenLine xmlns="" xmlns:a14="http://schemas.microsoft.com/office/drawing/2010/main" w="9525">
                   <a:solidFill>
                     <a:srgbClr val="000000"/>
                   </a:solidFill>
@@ -2347,7 +2347,7 @@
             </a:ln>
             <a:extLst>
               <a:ext uri="{91240B29-F687-4f45-9708-019B960494DF}">
-                <a14:hiddenLine xmlns:a14="http://schemas.microsoft.com/office/drawing/2010/main" xmlns="" w="9525">
+                <a14:hiddenLine xmlns="" xmlns:a14="http://schemas.microsoft.com/office/drawing/2010/main" w="9525">
                   <a:solidFill>
                     <a:srgbClr val="000000"/>
                   </a:solidFill>
@@ -2437,7 +2437,7 @@
             </a:ln>
             <a:extLst>
               <a:ext uri="{91240B29-F687-4f45-9708-019B960494DF}">
-                <a14:hiddenLine xmlns:a14="http://schemas.microsoft.com/office/drawing/2010/main" xmlns="" w="9525">
+                <a14:hiddenLine xmlns="" xmlns:a14="http://schemas.microsoft.com/office/drawing/2010/main" w="9525">
                   <a:solidFill>
                     <a:srgbClr val="000000"/>
                   </a:solidFill>
@@ -2493,7 +2493,7 @@
             </a:ln>
             <a:extLst>
               <a:ext uri="{91240B29-F687-4f45-9708-019B960494DF}">
-                <a14:hiddenLine xmlns:a14="http://schemas.microsoft.com/office/drawing/2010/main" xmlns="" w="9525">
+                <a14:hiddenLine xmlns="" xmlns:a14="http://schemas.microsoft.com/office/drawing/2010/main" w="9525">
                   <a:solidFill>
                     <a:srgbClr val="000000"/>
                   </a:solidFill>
@@ -2583,7 +2583,7 @@
             </a:ln>
             <a:extLst>
               <a:ext uri="{91240B29-F687-4f45-9708-019B960494DF}">
-                <a14:hiddenLine xmlns:a14="http://schemas.microsoft.com/office/drawing/2010/main" xmlns="" w="9525">
+                <a14:hiddenLine xmlns="" xmlns:a14="http://schemas.microsoft.com/office/drawing/2010/main" w="9525">
                   <a:solidFill>
                     <a:srgbClr val="000000"/>
                   </a:solidFill>
@@ -2639,7 +2639,7 @@
             </a:ln>
             <a:extLst>
               <a:ext uri="{91240B29-F687-4f45-9708-019B960494DF}">
-                <a14:hiddenLine xmlns:a14="http://schemas.microsoft.com/office/drawing/2010/main" xmlns="" w="9525">
+                <a14:hiddenLine xmlns="" xmlns:a14="http://schemas.microsoft.com/office/drawing/2010/main" w="9525">
                   <a:solidFill>
                     <a:srgbClr val="000000"/>
                   </a:solidFill>
@@ -2729,7 +2729,7 @@
             </a:ln>
             <a:extLst>
               <a:ext uri="{91240B29-F687-4f45-9708-019B960494DF}">
-                <a14:hiddenLine xmlns:a14="http://schemas.microsoft.com/office/drawing/2010/main" xmlns="" w="9525">
+                <a14:hiddenLine xmlns="" xmlns:a14="http://schemas.microsoft.com/office/drawing/2010/main" w="9525">
                   <a:solidFill>
                     <a:srgbClr val="000000"/>
                   </a:solidFill>
@@ -2797,7 +2797,7 @@
             </a:ln>
             <a:extLst>
               <a:ext uri="{91240B29-F687-4f45-9708-019B960494DF}">
-                <a14:hiddenLine xmlns:a14="http://schemas.microsoft.com/office/drawing/2010/main" xmlns="" w="9525">
+                <a14:hiddenLine xmlns="" xmlns:a14="http://schemas.microsoft.com/office/drawing/2010/main" w="9525">
                   <a:solidFill>
                     <a:srgbClr val="000000"/>
                   </a:solidFill>
@@ -2887,7 +2887,7 @@
             </a:ln>
             <a:extLst>
               <a:ext uri="{91240B29-F687-4f45-9708-019B960494DF}">
-                <a14:hiddenLine xmlns:a14="http://schemas.microsoft.com/office/drawing/2010/main" xmlns="" w="9525">
+                <a14:hiddenLine xmlns="" xmlns:a14="http://schemas.microsoft.com/office/drawing/2010/main" w="9525">
                   <a:solidFill>
                     <a:srgbClr val="000000"/>
                   </a:solidFill>
@@ -2955,7 +2955,7 @@
             </a:ln>
             <a:extLst>
               <a:ext uri="{91240B29-F687-4f45-9708-019B960494DF}">
-                <a14:hiddenLine xmlns:a14="http://schemas.microsoft.com/office/drawing/2010/main" xmlns="" w="9525">
+                <a14:hiddenLine xmlns="" xmlns:a14="http://schemas.microsoft.com/office/drawing/2010/main" w="9525">
                   <a:solidFill>
                     <a:srgbClr val="000000"/>
                   </a:solidFill>
@@ -3045,7 +3045,7 @@
             </a:ln>
             <a:extLst>
               <a:ext uri="{91240B29-F687-4f45-9708-019B960494DF}">
-                <a14:hiddenLine xmlns:a14="http://schemas.microsoft.com/office/drawing/2010/main" xmlns="" w="9525">
+                <a14:hiddenLine xmlns="" xmlns:a14="http://schemas.microsoft.com/office/drawing/2010/main" w="9525">
                   <a:solidFill>
                     <a:srgbClr val="000000"/>
                   </a:solidFill>
@@ -3079,7 +3079,7 @@
             </a:ln>
             <a:extLst>
               <a:ext uri="{91240B29-F687-4f45-9708-019B960494DF}">
-                <a14:hiddenLine xmlns:a14="http://schemas.microsoft.com/office/drawing/2010/main" xmlns="" w="9525">
+                <a14:hiddenLine xmlns="" xmlns:a14="http://schemas.microsoft.com/office/drawing/2010/main" w="9525">
                   <a:solidFill>
                     <a:srgbClr val="000000"/>
                   </a:solidFill>
@@ -3169,7 +3169,7 @@
             </a:ln>
             <a:extLst>
               <a:ext uri="{91240B29-F687-4f45-9708-019B960494DF}">
-                <a14:hiddenLine xmlns:a14="http://schemas.microsoft.com/office/drawing/2010/main" xmlns="" w="9525">
+                <a14:hiddenLine xmlns="" xmlns:a14="http://schemas.microsoft.com/office/drawing/2010/main" w="9525">
                   <a:solidFill>
                     <a:srgbClr val="000000"/>
                   </a:solidFill>
@@ -3231,7 +3231,7 @@
             </a:ln>
             <a:extLst>
               <a:ext uri="{91240B29-F687-4f45-9708-019B960494DF}">
-                <a14:hiddenLine xmlns:a14="http://schemas.microsoft.com/office/drawing/2010/main" xmlns="" w="9525">
+                <a14:hiddenLine xmlns="" xmlns:a14="http://schemas.microsoft.com/office/drawing/2010/main" w="9525">
                   <a:solidFill>
                     <a:srgbClr val="000000"/>
                   </a:solidFill>
@@ -3293,7 +3293,7 @@
             </a:ln>
             <a:extLst>
               <a:ext uri="{91240B29-F687-4f45-9708-019B960494DF}">
-                <a14:hiddenLine xmlns:a14="http://schemas.microsoft.com/office/drawing/2010/main" xmlns="" w="9525">
+                <a14:hiddenLine xmlns="" xmlns:a14="http://schemas.microsoft.com/office/drawing/2010/main" w="9525">
                   <a:solidFill>
                     <a:srgbClr val="000000"/>
                   </a:solidFill>
@@ -3383,7 +3383,7 @@
             </a:ln>
             <a:extLst>
               <a:ext uri="{91240B29-F687-4f45-9708-019B960494DF}">
-                <a14:hiddenLine xmlns:a14="http://schemas.microsoft.com/office/drawing/2010/main" xmlns="" w="9525">
+                <a14:hiddenLine xmlns="" xmlns:a14="http://schemas.microsoft.com/office/drawing/2010/main" w="9525">
                   <a:solidFill>
                     <a:srgbClr val="000000"/>
                   </a:solidFill>
@@ -3451,7 +3451,7 @@
             </a:ln>
             <a:extLst>
               <a:ext uri="{91240B29-F687-4f45-9708-019B960494DF}">
-                <a14:hiddenLine xmlns:a14="http://schemas.microsoft.com/office/drawing/2010/main" xmlns="" w="9525">
+                <a14:hiddenLine xmlns="" xmlns:a14="http://schemas.microsoft.com/office/drawing/2010/main" w="9525">
                   <a:solidFill>
                     <a:srgbClr val="000000"/>
                   </a:solidFill>
@@ -3513,7 +3513,7 @@
             </a:ln>
             <a:extLst>
               <a:ext uri="{91240B29-F687-4f45-9708-019B960494DF}">
-                <a14:hiddenLine xmlns:a14="http://schemas.microsoft.com/office/drawing/2010/main" xmlns="" w="9525">
+                <a14:hiddenLine xmlns="" xmlns:a14="http://schemas.microsoft.com/office/drawing/2010/main" w="9525">
                   <a:solidFill>
                     <a:srgbClr val="000000"/>
                   </a:solidFill>
@@ -3603,7 +3603,7 @@
             </a:ln>
             <a:extLst>
               <a:ext uri="{91240B29-F687-4f45-9708-019B960494DF}">
-                <a14:hiddenLine xmlns:a14="http://schemas.microsoft.com/office/drawing/2010/main" xmlns="" w="9525">
+                <a14:hiddenLine xmlns="" xmlns:a14="http://schemas.microsoft.com/office/drawing/2010/main" w="9525">
                   <a:solidFill>
                     <a:srgbClr val="000000"/>
                   </a:solidFill>
@@ -3665,7 +3665,7 @@
             </a:ln>
             <a:extLst>
               <a:ext uri="{91240B29-F687-4f45-9708-019B960494DF}">
-                <a14:hiddenLine xmlns:a14="http://schemas.microsoft.com/office/drawing/2010/main" xmlns="" w="9525">
+                <a14:hiddenLine xmlns="" xmlns:a14="http://schemas.microsoft.com/office/drawing/2010/main" w="9525">
                   <a:solidFill>
                     <a:srgbClr val="000000"/>
                   </a:solidFill>
@@ -3755,7 +3755,7 @@
             </a:ln>
             <a:extLst>
               <a:ext uri="{91240B29-F687-4f45-9708-019B960494DF}">
-                <a14:hiddenLine xmlns:a14="http://schemas.microsoft.com/office/drawing/2010/main" xmlns="" w="9525">
+                <a14:hiddenLine xmlns="" xmlns:a14="http://schemas.microsoft.com/office/drawing/2010/main" w="9525">
                   <a:solidFill>
                     <a:srgbClr val="000000"/>
                   </a:solidFill>
@@ -3817,7 +3817,7 @@
             </a:ln>
             <a:extLst>
               <a:ext uri="{91240B29-F687-4f45-9708-019B960494DF}">
-                <a14:hiddenLine xmlns:a14="http://schemas.microsoft.com/office/drawing/2010/main" xmlns="" w="9525">
+                <a14:hiddenLine xmlns="" xmlns:a14="http://schemas.microsoft.com/office/drawing/2010/main" w="9525">
                   <a:solidFill>
                     <a:srgbClr val="000000"/>
                   </a:solidFill>
@@ -3907,7 +3907,7 @@
             </a:ln>
             <a:extLst>
               <a:ext uri="{91240B29-F687-4f45-9708-019B960494DF}">
-                <a14:hiddenLine xmlns:a14="http://schemas.microsoft.com/office/drawing/2010/main" xmlns="" w="9525">
+                <a14:hiddenLine xmlns="" xmlns:a14="http://schemas.microsoft.com/office/drawing/2010/main" w="9525">
                   <a:solidFill>
                     <a:srgbClr val="000000"/>
                   </a:solidFill>
@@ -3941,7 +3941,7 @@
             </a:ln>
             <a:extLst>
               <a:ext uri="{91240B29-F687-4f45-9708-019B960494DF}">
-                <a14:hiddenLine xmlns:a14="http://schemas.microsoft.com/office/drawing/2010/main" xmlns="" w="9525">
+                <a14:hiddenLine xmlns="" xmlns:a14="http://schemas.microsoft.com/office/drawing/2010/main" w="9525">
                   <a:solidFill>
                     <a:srgbClr val="000000"/>
                   </a:solidFill>
@@ -4006,7 +4006,7 @@
             </a:ln>
             <a:extLst>
               <a:ext uri="{91240B29-F687-4f45-9708-019B960494DF}">
-                <a14:hiddenLine xmlns:a14="http://schemas.microsoft.com/office/drawing/2010/main" xmlns="" w="9525">
+                <a14:hiddenLine xmlns="" xmlns:a14="http://schemas.microsoft.com/office/drawing/2010/main" w="9525">
                   <a:solidFill>
                     <a:srgbClr val="000000"/>
                   </a:solidFill>
@@ -4096,7 +4096,7 @@
             </a:ln>
             <a:extLst>
               <a:ext uri="{91240B29-F687-4f45-9708-019B960494DF}">
-                <a14:hiddenLine xmlns:a14="http://schemas.microsoft.com/office/drawing/2010/main" xmlns="" w="9525">
+                <a14:hiddenLine xmlns="" xmlns:a14="http://schemas.microsoft.com/office/drawing/2010/main" w="9525">
                   <a:solidFill>
                     <a:srgbClr val="000000"/>
                   </a:solidFill>
@@ -4158,7 +4158,7 @@
             </a:ln>
             <a:extLst>
               <a:ext uri="{91240B29-F687-4f45-9708-019B960494DF}">
-                <a14:hiddenLine xmlns:a14="http://schemas.microsoft.com/office/drawing/2010/main" xmlns="" w="9525">
+                <a14:hiddenLine xmlns="" xmlns:a14="http://schemas.microsoft.com/office/drawing/2010/main" w="9525">
                   <a:solidFill>
                     <a:srgbClr val="000000"/>
                   </a:solidFill>
@@ -4248,7 +4248,7 @@
             </a:ln>
             <a:extLst>
               <a:ext uri="{91240B29-F687-4f45-9708-019B960494DF}">
-                <a14:hiddenLine xmlns:a14="http://schemas.microsoft.com/office/drawing/2010/main" xmlns="" w="9525">
+                <a14:hiddenLine xmlns="" xmlns:a14="http://schemas.microsoft.com/office/drawing/2010/main" w="9525">
                   <a:solidFill>
                     <a:srgbClr val="000000"/>
                   </a:solidFill>
@@ -4338,7 +4338,7 @@
             </a:ln>
             <a:extLst>
               <a:ext uri="{91240B29-F687-4f45-9708-019B960494DF}">
-                <a14:hiddenLine xmlns:a14="http://schemas.microsoft.com/office/drawing/2010/main" xmlns="" w="9525">
+                <a14:hiddenLine xmlns="" xmlns:a14="http://schemas.microsoft.com/office/drawing/2010/main" w="9525">
                   <a:solidFill>
                     <a:srgbClr val="000000"/>
                   </a:solidFill>
@@ -4403,7 +4403,7 @@
             </a:ln>
             <a:extLst>
               <a:ext uri="{91240B29-F687-4f45-9708-019B960494DF}">
-                <a14:hiddenLine xmlns:a14="http://schemas.microsoft.com/office/drawing/2010/main" xmlns="" w="9525">
+                <a14:hiddenLine xmlns="" xmlns:a14="http://schemas.microsoft.com/office/drawing/2010/main" w="9525">
                   <a:solidFill>
                     <a:srgbClr val="000000"/>
                   </a:solidFill>
@@ -4465,7 +4465,7 @@
             </a:ln>
             <a:extLst>
               <a:ext uri="{91240B29-F687-4f45-9708-019B960494DF}">
-                <a14:hiddenLine xmlns:a14="http://schemas.microsoft.com/office/drawing/2010/main" xmlns="" w="9525">
+                <a14:hiddenLine xmlns="" xmlns:a14="http://schemas.microsoft.com/office/drawing/2010/main" w="9525">
                   <a:solidFill>
                     <a:srgbClr val="000000"/>
                   </a:solidFill>
@@ -4555,7 +4555,7 @@
             </a:ln>
             <a:extLst>
               <a:ext uri="{91240B29-F687-4f45-9708-019B960494DF}">
-                <a14:hiddenLine xmlns:a14="http://schemas.microsoft.com/office/drawing/2010/main" xmlns="" w="9525">
+                <a14:hiddenLine xmlns="" xmlns:a14="http://schemas.microsoft.com/office/drawing/2010/main" w="9525">
                   <a:solidFill>
                     <a:srgbClr val="000000"/>
                   </a:solidFill>
@@ -4645,7 +4645,7 @@
             </a:ln>
             <a:extLst>
               <a:ext uri="{91240B29-F687-4f45-9708-019B960494DF}">
-                <a14:hiddenLine xmlns:a14="http://schemas.microsoft.com/office/drawing/2010/main" xmlns="" w="9525">
+                <a14:hiddenLine xmlns="" xmlns:a14="http://schemas.microsoft.com/office/drawing/2010/main" w="9525">
                   <a:solidFill>
                     <a:srgbClr val="000000"/>
                   </a:solidFill>
@@ -4707,7 +4707,7 @@
             </a:ln>
             <a:extLst>
               <a:ext uri="{91240B29-F687-4f45-9708-019B960494DF}">
-                <a14:hiddenLine xmlns:a14="http://schemas.microsoft.com/office/drawing/2010/main" xmlns="" w="9525">
+                <a14:hiddenLine xmlns="" xmlns:a14="http://schemas.microsoft.com/office/drawing/2010/main" w="9525">
                   <a:solidFill>
                     <a:srgbClr val="000000"/>
                   </a:solidFill>
@@ -4827,7 +4827,7 @@
             </a:ln>
             <a:extLst>
               <a:ext uri="{91240B29-F687-4f45-9708-019B960494DF}">
-                <a14:hiddenLine xmlns:a14="http://schemas.microsoft.com/office/drawing/2010/main" xmlns="" w="9525">
+                <a14:hiddenLine xmlns="" xmlns:a14="http://schemas.microsoft.com/office/drawing/2010/main" w="9525">
                   <a:solidFill>
                     <a:srgbClr val="000000"/>
                   </a:solidFill>
@@ -4895,7 +4895,7 @@
             </a:ln>
             <a:extLst>
               <a:ext uri="{91240B29-F687-4f45-9708-019B960494DF}">
-                <a14:hiddenLine xmlns:a14="http://schemas.microsoft.com/office/drawing/2010/main" xmlns="" w="9525">
+                <a14:hiddenLine xmlns="" xmlns:a14="http://schemas.microsoft.com/office/drawing/2010/main" w="9525">
                   <a:solidFill>
                     <a:srgbClr val="000000"/>
                   </a:solidFill>
@@ -4985,7 +4985,7 @@
             </a:ln>
             <a:extLst>
               <a:ext uri="{91240B29-F687-4f45-9708-019B960494DF}">
-                <a14:hiddenLine xmlns:a14="http://schemas.microsoft.com/office/drawing/2010/main" xmlns="" w="9525">
+                <a14:hiddenLine xmlns="" xmlns:a14="http://schemas.microsoft.com/office/drawing/2010/main" w="9525">
                   <a:solidFill>
                     <a:srgbClr val="000000"/>
                   </a:solidFill>
@@ -5125,7 +5125,7 @@
           <a:p>
             <a:fld id="{FBB5C724-FB93-4F33-BB48-DEEB56A0EDC6}" type="datetimeFigureOut">
               <a:rPr lang="en-US" smtClean="0"/>
-              <a:t>11/11/2014</a:t>
+              <a:t>11/12/2014</a:t>
             </a:fld>
             <a:endParaRPr lang="en-US"/>
           </a:p>
@@ -5392,7 +5392,7 @@
           <a:p>
             <a:fld id="{FBB5C724-FB93-4F33-BB48-DEEB56A0EDC6}" type="datetimeFigureOut">
               <a:rPr lang="en-US" smtClean="0"/>
-              <a:t>11/11/2014</a:t>
+              <a:t>11/12/2014</a:t>
             </a:fld>
             <a:endParaRPr lang="en-US"/>
           </a:p>
@@ -5588,7 +5588,7 @@
           <a:p>
             <a:fld id="{FBB5C724-FB93-4F33-BB48-DEEB56A0EDC6}" type="datetimeFigureOut">
               <a:rPr lang="en-US" smtClean="0"/>
-              <a:t>11/11/2014</a:t>
+              <a:t>11/12/2014</a:t>
             </a:fld>
             <a:endParaRPr lang="en-US"/>
           </a:p>
@@ -5851,7 +5851,7 @@
           <a:p>
             <a:fld id="{FBB5C724-FB93-4F33-BB48-DEEB56A0EDC6}" type="datetimeFigureOut">
               <a:rPr lang="en-US" smtClean="0"/>
-              <a:t>11/11/2014</a:t>
+              <a:t>11/12/2014</a:t>
             </a:fld>
             <a:endParaRPr lang="en-US"/>
           </a:p>
@@ -6285,7 +6285,7 @@
           <a:p>
             <a:fld id="{FBB5C724-FB93-4F33-BB48-DEEB56A0EDC6}" type="datetimeFigureOut">
               <a:rPr lang="en-US" smtClean="0"/>
-              <a:t>11/11/2014</a:t>
+              <a:t>11/12/2014</a:t>
             </a:fld>
             <a:endParaRPr lang="en-US"/>
           </a:p>
@@ -6831,7 +6831,7 @@
           <a:p>
             <a:fld id="{FBB5C724-FB93-4F33-BB48-DEEB56A0EDC6}" type="datetimeFigureOut">
               <a:rPr lang="en-US" smtClean="0"/>
-              <a:t>11/11/2014</a:t>
+              <a:t>11/12/2014</a:t>
             </a:fld>
             <a:endParaRPr lang="en-US"/>
           </a:p>
@@ -7551,7 +7551,7 @@
           <a:p>
             <a:fld id="{FBB5C724-FB93-4F33-BB48-DEEB56A0EDC6}" type="datetimeFigureOut">
               <a:rPr lang="en-US" smtClean="0"/>
-              <a:t>11/11/2014</a:t>
+              <a:t>11/12/2014</a:t>
             </a:fld>
             <a:endParaRPr lang="en-US"/>
           </a:p>
@@ -7721,7 +7721,7 @@
           <a:p>
             <a:fld id="{FBB5C724-FB93-4F33-BB48-DEEB56A0EDC6}" type="datetimeFigureOut">
               <a:rPr lang="en-US" smtClean="0"/>
-              <a:t>11/11/2014</a:t>
+              <a:t>11/12/2014</a:t>
             </a:fld>
             <a:endParaRPr lang="en-US"/>
           </a:p>
@@ -7901,7 +7901,7 @@
           <a:p>
             <a:fld id="{FBB5C724-FB93-4F33-BB48-DEEB56A0EDC6}" type="datetimeFigureOut">
               <a:rPr lang="en-US" smtClean="0"/>
-              <a:t>11/11/2014</a:t>
+              <a:t>11/12/2014</a:t>
             </a:fld>
             <a:endParaRPr lang="en-US"/>
           </a:p>
@@ -8071,7 +8071,7 @@
           <a:p>
             <a:fld id="{FBB5C724-FB93-4F33-BB48-DEEB56A0EDC6}" type="datetimeFigureOut">
               <a:rPr lang="en-US" smtClean="0"/>
-              <a:t>11/11/2014</a:t>
+              <a:t>11/12/2014</a:t>
             </a:fld>
             <a:endParaRPr lang="en-US"/>
           </a:p>
@@ -8321,7 +8321,7 @@
           <a:p>
             <a:fld id="{FBB5C724-FB93-4F33-BB48-DEEB56A0EDC6}" type="datetimeFigureOut">
               <a:rPr lang="en-US" smtClean="0"/>
-              <a:t>11/11/2014</a:t>
+              <a:t>11/12/2014</a:t>
             </a:fld>
             <a:endParaRPr lang="en-US"/>
           </a:p>
@@ -8553,7 +8553,7 @@
           <a:p>
             <a:fld id="{FBB5C724-FB93-4F33-BB48-DEEB56A0EDC6}" type="datetimeFigureOut">
               <a:rPr lang="en-US" smtClean="0"/>
-              <a:t>11/11/2014</a:t>
+              <a:t>11/12/2014</a:t>
             </a:fld>
             <a:endParaRPr lang="en-US"/>
           </a:p>
@@ -8934,7 +8934,7 @@
           <a:p>
             <a:fld id="{FBB5C724-FB93-4F33-BB48-DEEB56A0EDC6}" type="datetimeFigureOut">
               <a:rPr lang="en-US" smtClean="0"/>
-              <a:t>11/11/2014</a:t>
+              <a:t>11/12/2014</a:t>
             </a:fld>
             <a:endParaRPr lang="en-US"/>
           </a:p>
@@ -9052,7 +9052,7 @@
           <a:p>
             <a:fld id="{FBB5C724-FB93-4F33-BB48-DEEB56A0EDC6}" type="datetimeFigureOut">
               <a:rPr lang="en-US" smtClean="0"/>
-              <a:t>11/11/2014</a:t>
+              <a:t>11/12/2014</a:t>
             </a:fld>
             <a:endParaRPr lang="en-US"/>
           </a:p>
@@ -9147,7 +9147,7 @@
           <a:p>
             <a:fld id="{FBB5C724-FB93-4F33-BB48-DEEB56A0EDC6}" type="datetimeFigureOut">
               <a:rPr lang="en-US" smtClean="0"/>
-              <a:t>11/11/2014</a:t>
+              <a:t>11/12/2014</a:t>
             </a:fld>
             <a:endParaRPr lang="en-US"/>
           </a:p>
@@ -9396,7 +9396,7 @@
           <a:p>
             <a:fld id="{FBB5C724-FB93-4F33-BB48-DEEB56A0EDC6}" type="datetimeFigureOut">
               <a:rPr lang="en-US" smtClean="0"/>
-              <a:t>11/11/2014</a:t>
+              <a:t>11/12/2014</a:t>
             </a:fld>
             <a:endParaRPr lang="en-US"/>
           </a:p>
@@ -9676,7 +9676,7 @@
           <a:p>
             <a:fld id="{FBB5C724-FB93-4F33-BB48-DEEB56A0EDC6}" type="datetimeFigureOut">
               <a:rPr lang="en-US" smtClean="0"/>
-              <a:t>11/11/2014</a:t>
+              <a:t>11/12/2014</a:t>
             </a:fld>
             <a:endParaRPr lang="en-US"/>
           </a:p>
@@ -9799,7 +9799,7 @@
           <a:noFill/>
           <a:extLst>
             <a:ext uri="{909E8E84-426E-40dd-AFC4-6F175D3DCCD1}">
-              <a14:hiddenFill xmlns:a14="http://schemas.microsoft.com/office/drawing/2010/main" xmlns="">
+              <a14:hiddenFill xmlns="" xmlns:a14="http://schemas.microsoft.com/office/drawing/2010/main">
                 <a:solidFill>
                   <a:srgbClr val="FFFFFF"/>
                 </a:solidFill>
@@ -9873,7 +9873,7 @@
               </a:ln>
               <a:extLst>
                 <a:ext uri="{91240B29-F687-4f45-9708-019B960494DF}">
-                  <a14:hiddenLine xmlns:a14="http://schemas.microsoft.com/office/drawing/2010/main" xmlns="" w="9525">
+                  <a14:hiddenLine xmlns="" xmlns:a14="http://schemas.microsoft.com/office/drawing/2010/main" w="9525">
                     <a:solidFill>
                       <a:srgbClr val="000000"/>
                     </a:solidFill>
@@ -9963,7 +9963,7 @@
               </a:ln>
               <a:extLst>
                 <a:ext uri="{91240B29-F687-4f45-9708-019B960494DF}">
-                  <a14:hiddenLine xmlns:a14="http://schemas.microsoft.com/office/drawing/2010/main" xmlns="" w="9525">
+                  <a14:hiddenLine xmlns="" xmlns:a14="http://schemas.microsoft.com/office/drawing/2010/main" w="9525">
                     <a:solidFill>
                       <a:srgbClr val="000000"/>
                     </a:solidFill>
@@ -10053,7 +10053,7 @@
               </a:ln>
               <a:extLst>
                 <a:ext uri="{91240B29-F687-4f45-9708-019B960494DF}">
-                  <a14:hiddenLine xmlns:a14="http://schemas.microsoft.com/office/drawing/2010/main" xmlns="" w="9525">
+                  <a14:hiddenLine xmlns="" xmlns:a14="http://schemas.microsoft.com/office/drawing/2010/main" w="9525">
                     <a:solidFill>
                       <a:srgbClr val="000000"/>
                     </a:solidFill>
@@ -10115,7 +10115,7 @@
               </a:ln>
               <a:extLst>
                 <a:ext uri="{91240B29-F687-4f45-9708-019B960494DF}">
-                  <a14:hiddenLine xmlns:a14="http://schemas.microsoft.com/office/drawing/2010/main" xmlns="" w="9525">
+                  <a14:hiddenLine xmlns="" xmlns:a14="http://schemas.microsoft.com/office/drawing/2010/main" w="9525">
                     <a:solidFill>
                       <a:srgbClr val="000000"/>
                     </a:solidFill>
@@ -10205,7 +10205,7 @@
               </a:ln>
               <a:extLst>
                 <a:ext uri="{91240B29-F687-4f45-9708-019B960494DF}">
-                  <a14:hiddenLine xmlns:a14="http://schemas.microsoft.com/office/drawing/2010/main" xmlns="" w="9525">
+                  <a14:hiddenLine xmlns="" xmlns:a14="http://schemas.microsoft.com/office/drawing/2010/main" w="9525">
                     <a:solidFill>
                       <a:srgbClr val="000000"/>
                     </a:solidFill>
@@ -10267,7 +10267,7 @@
               </a:ln>
               <a:extLst>
                 <a:ext uri="{91240B29-F687-4f45-9708-019B960494DF}">
-                  <a14:hiddenLine xmlns:a14="http://schemas.microsoft.com/office/drawing/2010/main" xmlns="" w="9525">
+                  <a14:hiddenLine xmlns="" xmlns:a14="http://schemas.microsoft.com/office/drawing/2010/main" w="9525">
                     <a:solidFill>
                       <a:srgbClr val="000000"/>
                     </a:solidFill>
@@ -10329,7 +10329,7 @@
               </a:ln>
               <a:extLst>
                 <a:ext uri="{91240B29-F687-4f45-9708-019B960494DF}">
-                  <a14:hiddenLine xmlns:a14="http://schemas.microsoft.com/office/drawing/2010/main" xmlns="" w="9525">
+                  <a14:hiddenLine xmlns="" xmlns:a14="http://schemas.microsoft.com/office/drawing/2010/main" w="9525">
                     <a:solidFill>
                       <a:srgbClr val="000000"/>
                     </a:solidFill>
@@ -10419,7 +10419,7 @@
               </a:ln>
               <a:extLst>
                 <a:ext uri="{91240B29-F687-4f45-9708-019B960494DF}">
-                  <a14:hiddenLine xmlns:a14="http://schemas.microsoft.com/office/drawing/2010/main" xmlns="" w="9525">
+                  <a14:hiddenLine xmlns="" xmlns:a14="http://schemas.microsoft.com/office/drawing/2010/main" w="9525">
                     <a:solidFill>
                       <a:srgbClr val="000000"/>
                     </a:solidFill>
@@ -10509,7 +10509,7 @@
               </a:ln>
               <a:extLst>
                 <a:ext uri="{91240B29-F687-4f45-9708-019B960494DF}">
-                  <a14:hiddenLine xmlns:a14="http://schemas.microsoft.com/office/drawing/2010/main" xmlns="" w="9525">
+                  <a14:hiddenLine xmlns="" xmlns:a14="http://schemas.microsoft.com/office/drawing/2010/main" w="9525">
                     <a:solidFill>
                       <a:srgbClr val="000000"/>
                     </a:solidFill>
@@ -10571,7 +10571,7 @@
               </a:ln>
               <a:extLst>
                 <a:ext uri="{91240B29-F687-4f45-9708-019B960494DF}">
-                  <a14:hiddenLine xmlns:a14="http://schemas.microsoft.com/office/drawing/2010/main" xmlns="" w="9525">
+                  <a14:hiddenLine xmlns="" xmlns:a14="http://schemas.microsoft.com/office/drawing/2010/main" w="9525">
                     <a:solidFill>
                       <a:srgbClr val="000000"/>
                     </a:solidFill>
@@ -10681,7 +10681,7 @@
               </a:ln>
               <a:extLst>
                 <a:ext uri="{91240B29-F687-4f45-9708-019B960494DF}">
-                  <a14:hiddenLine xmlns:a14="http://schemas.microsoft.com/office/drawing/2010/main" xmlns="" w="9525">
+                  <a14:hiddenLine xmlns="" xmlns:a14="http://schemas.microsoft.com/office/drawing/2010/main" w="9525">
                     <a:solidFill>
                       <a:srgbClr val="000000"/>
                     </a:solidFill>
@@ -10765,7 +10765,7 @@
               </a:ln>
               <a:extLst>
                 <a:ext uri="{91240B29-F687-4f45-9708-019B960494DF}">
-                  <a14:hiddenLine xmlns:a14="http://schemas.microsoft.com/office/drawing/2010/main" xmlns="" w="9525">
+                  <a14:hiddenLine xmlns="" xmlns:a14="http://schemas.microsoft.com/office/drawing/2010/main" w="9525">
                     <a:solidFill>
                       <a:srgbClr val="000000"/>
                     </a:solidFill>
@@ -10827,7 +10827,7 @@
               </a:ln>
               <a:extLst>
                 <a:ext uri="{91240B29-F687-4f45-9708-019B960494DF}">
-                  <a14:hiddenLine xmlns:a14="http://schemas.microsoft.com/office/drawing/2010/main" xmlns="" w="9525">
+                  <a14:hiddenLine xmlns="" xmlns:a14="http://schemas.microsoft.com/office/drawing/2010/main" w="9525">
                     <a:solidFill>
                       <a:srgbClr val="000000"/>
                     </a:solidFill>
@@ -10889,7 +10889,7 @@
               </a:ln>
               <a:extLst>
                 <a:ext uri="{91240B29-F687-4f45-9708-019B960494DF}">
-                  <a14:hiddenLine xmlns:a14="http://schemas.microsoft.com/office/drawing/2010/main" xmlns="" w="9525">
+                  <a14:hiddenLine xmlns="" xmlns:a14="http://schemas.microsoft.com/office/drawing/2010/main" w="9525">
                     <a:solidFill>
                       <a:srgbClr val="000000"/>
                     </a:solidFill>
@@ -10979,7 +10979,7 @@
               </a:ln>
               <a:extLst>
                 <a:ext uri="{91240B29-F687-4f45-9708-019B960494DF}">
-                  <a14:hiddenLine xmlns:a14="http://schemas.microsoft.com/office/drawing/2010/main" xmlns="" w="9525">
+                  <a14:hiddenLine xmlns="" xmlns:a14="http://schemas.microsoft.com/office/drawing/2010/main" w="9525">
                     <a:solidFill>
                       <a:srgbClr val="000000"/>
                     </a:solidFill>
@@ -11013,7 +11013,7 @@
               </a:ln>
               <a:extLst>
                 <a:ext uri="{91240B29-F687-4f45-9708-019B960494DF}">
-                  <a14:hiddenLine xmlns:a14="http://schemas.microsoft.com/office/drawing/2010/main" xmlns="" w="9525">
+                  <a14:hiddenLine xmlns="" xmlns:a14="http://schemas.microsoft.com/office/drawing/2010/main" w="9525">
                     <a:solidFill>
                       <a:srgbClr val="000000"/>
                     </a:solidFill>
@@ -11078,7 +11078,7 @@
               </a:ln>
               <a:extLst>
                 <a:ext uri="{91240B29-F687-4f45-9708-019B960494DF}">
-                  <a14:hiddenLine xmlns:a14="http://schemas.microsoft.com/office/drawing/2010/main" xmlns="" w="9525">
+                  <a14:hiddenLine xmlns="" xmlns:a14="http://schemas.microsoft.com/office/drawing/2010/main" w="9525">
                     <a:solidFill>
                       <a:srgbClr val="000000"/>
                     </a:solidFill>
@@ -11168,7 +11168,7 @@
               </a:ln>
               <a:extLst>
                 <a:ext uri="{91240B29-F687-4f45-9708-019B960494DF}">
-                  <a14:hiddenLine xmlns:a14="http://schemas.microsoft.com/office/drawing/2010/main" xmlns="" w="9525">
+                  <a14:hiddenLine xmlns="" xmlns:a14="http://schemas.microsoft.com/office/drawing/2010/main" w="9525">
                     <a:solidFill>
                       <a:srgbClr val="000000"/>
                     </a:solidFill>
@@ -11230,7 +11230,7 @@
               </a:ln>
               <a:extLst>
                 <a:ext uri="{91240B29-F687-4f45-9708-019B960494DF}">
-                  <a14:hiddenLine xmlns:a14="http://schemas.microsoft.com/office/drawing/2010/main" xmlns="" w="9525">
+                  <a14:hiddenLine xmlns="" xmlns:a14="http://schemas.microsoft.com/office/drawing/2010/main" w="9525">
                     <a:solidFill>
                       <a:srgbClr val="000000"/>
                     </a:solidFill>
@@ -11320,7 +11320,7 @@
               </a:ln>
               <a:extLst>
                 <a:ext uri="{91240B29-F687-4f45-9708-019B960494DF}">
-                  <a14:hiddenLine xmlns:a14="http://schemas.microsoft.com/office/drawing/2010/main" xmlns="" w="9525">
+                  <a14:hiddenLine xmlns="" xmlns:a14="http://schemas.microsoft.com/office/drawing/2010/main" w="9525">
                     <a:solidFill>
                       <a:srgbClr val="000000"/>
                     </a:solidFill>
@@ -11385,7 +11385,7 @@
               </a:ln>
               <a:extLst>
                 <a:ext uri="{91240B29-F687-4f45-9708-019B960494DF}">
-                  <a14:hiddenLine xmlns:a14="http://schemas.microsoft.com/office/drawing/2010/main" xmlns="" w="9525">
+                  <a14:hiddenLine xmlns="" xmlns:a14="http://schemas.microsoft.com/office/drawing/2010/main" w="9525">
                     <a:solidFill>
                       <a:srgbClr val="000000"/>
                     </a:solidFill>
@@ -11447,7 +11447,7 @@
               </a:ln>
               <a:extLst>
                 <a:ext uri="{91240B29-F687-4f45-9708-019B960494DF}">
-                  <a14:hiddenLine xmlns:a14="http://schemas.microsoft.com/office/drawing/2010/main" xmlns="" w="9525">
+                  <a14:hiddenLine xmlns="" xmlns:a14="http://schemas.microsoft.com/office/drawing/2010/main" w="9525">
                     <a:solidFill>
                       <a:srgbClr val="000000"/>
                     </a:solidFill>
@@ -11537,7 +11537,7 @@
               </a:ln>
               <a:extLst>
                 <a:ext uri="{91240B29-F687-4f45-9708-019B960494DF}">
-                  <a14:hiddenLine xmlns:a14="http://schemas.microsoft.com/office/drawing/2010/main" xmlns="" w="9525">
+                  <a14:hiddenLine xmlns="" xmlns:a14="http://schemas.microsoft.com/office/drawing/2010/main" w="9525">
                     <a:solidFill>
                       <a:srgbClr val="000000"/>
                     </a:solidFill>
@@ -11627,7 +11627,7 @@
               </a:ln>
               <a:extLst>
                 <a:ext uri="{91240B29-F687-4f45-9708-019B960494DF}">
-                  <a14:hiddenLine xmlns:a14="http://schemas.microsoft.com/office/drawing/2010/main" xmlns="" w="9525">
+                  <a14:hiddenLine xmlns="" xmlns:a14="http://schemas.microsoft.com/office/drawing/2010/main" w="9525">
                     <a:solidFill>
                       <a:srgbClr val="000000"/>
                     </a:solidFill>
@@ -11692,7 +11692,7 @@
               </a:ln>
               <a:extLst>
                 <a:ext uri="{91240B29-F687-4f45-9708-019B960494DF}">
-                  <a14:hiddenLine xmlns:a14="http://schemas.microsoft.com/office/drawing/2010/main" xmlns="" w="9525">
+                  <a14:hiddenLine xmlns="" xmlns:a14="http://schemas.microsoft.com/office/drawing/2010/main" w="9525">
                     <a:solidFill>
                       <a:srgbClr val="000000"/>
                     </a:solidFill>
@@ -11812,7 +11812,7 @@
               </a:ln>
               <a:extLst>
                 <a:ext uri="{91240B29-F687-4f45-9708-019B960494DF}">
-                  <a14:hiddenLine xmlns:a14="http://schemas.microsoft.com/office/drawing/2010/main" xmlns="" w="9525">
+                  <a14:hiddenLine xmlns="" xmlns:a14="http://schemas.microsoft.com/office/drawing/2010/main" w="9525">
                     <a:solidFill>
                       <a:srgbClr val="000000"/>
                     </a:solidFill>
@@ -11893,7 +11893,7 @@
               </a:ln>
               <a:extLst>
                 <a:ext uri="{91240B29-F687-4f45-9708-019B960494DF}">
-                  <a14:hiddenLine xmlns:a14="http://schemas.microsoft.com/office/drawing/2010/main" xmlns="" w="9525">
+                  <a14:hiddenLine xmlns="" xmlns:a14="http://schemas.microsoft.com/office/drawing/2010/main" w="9525">
                     <a:solidFill>
                       <a:srgbClr val="000000"/>
                     </a:solidFill>
@@ -12008,7 +12008,7 @@
               </a:ln>
               <a:extLst>
                 <a:ext uri="{91240B29-F687-4f45-9708-019B960494DF}">
-                  <a14:hiddenLine xmlns:a14="http://schemas.microsoft.com/office/drawing/2010/main" xmlns="" w="9525">
+                  <a14:hiddenLine xmlns="" xmlns:a14="http://schemas.microsoft.com/office/drawing/2010/main" w="9525">
                     <a:solidFill>
                       <a:srgbClr val="000000"/>
                     </a:solidFill>
@@ -12098,7 +12098,7 @@
               </a:ln>
               <a:extLst>
                 <a:ext uri="{91240B29-F687-4f45-9708-019B960494DF}">
-                  <a14:hiddenLine xmlns:a14="http://schemas.microsoft.com/office/drawing/2010/main" xmlns="" w="9525">
+                  <a14:hiddenLine xmlns="" xmlns:a14="http://schemas.microsoft.com/office/drawing/2010/main" w="9525">
                     <a:solidFill>
                       <a:srgbClr val="000000"/>
                     </a:solidFill>
@@ -12163,7 +12163,7 @@
               </a:ln>
               <a:extLst>
                 <a:ext uri="{91240B29-F687-4f45-9708-019B960494DF}">
-                  <a14:hiddenLine xmlns:a14="http://schemas.microsoft.com/office/drawing/2010/main" xmlns="" w="9525">
+                  <a14:hiddenLine xmlns="" xmlns:a14="http://schemas.microsoft.com/office/drawing/2010/main" w="9525">
                     <a:solidFill>
                       <a:srgbClr val="000000"/>
                     </a:solidFill>
@@ -12253,7 +12253,7 @@
               </a:ln>
               <a:extLst>
                 <a:ext uri="{91240B29-F687-4f45-9708-019B960494DF}">
-                  <a14:hiddenLine xmlns:a14="http://schemas.microsoft.com/office/drawing/2010/main" xmlns="" w="9525">
+                  <a14:hiddenLine xmlns="" xmlns:a14="http://schemas.microsoft.com/office/drawing/2010/main" w="9525">
                     <a:solidFill>
                       <a:srgbClr val="000000"/>
                     </a:solidFill>
@@ -12321,7 +12321,7 @@
               </a:ln>
               <a:extLst>
                 <a:ext uri="{91240B29-F687-4f45-9708-019B960494DF}">
-                  <a14:hiddenLine xmlns:a14="http://schemas.microsoft.com/office/drawing/2010/main" xmlns="" w="9525">
+                  <a14:hiddenLine xmlns="" xmlns:a14="http://schemas.microsoft.com/office/drawing/2010/main" w="9525">
                     <a:solidFill>
                       <a:srgbClr val="000000"/>
                     </a:solidFill>
@@ -12411,7 +12411,7 @@
               </a:ln>
               <a:extLst>
                 <a:ext uri="{91240B29-F687-4f45-9708-019B960494DF}">
-                  <a14:hiddenLine xmlns:a14="http://schemas.microsoft.com/office/drawing/2010/main" xmlns="" w="9525">
+                  <a14:hiddenLine xmlns="" xmlns:a14="http://schemas.microsoft.com/office/drawing/2010/main" w="9525">
                     <a:solidFill>
                       <a:srgbClr val="000000"/>
                     </a:solidFill>
@@ -12479,7 +12479,7 @@
               </a:ln>
               <a:extLst>
                 <a:ext uri="{91240B29-F687-4f45-9708-019B960494DF}">
-                  <a14:hiddenLine xmlns:a14="http://schemas.microsoft.com/office/drawing/2010/main" xmlns="" w="9525">
+                  <a14:hiddenLine xmlns="" xmlns:a14="http://schemas.microsoft.com/office/drawing/2010/main" w="9525">
                     <a:solidFill>
                       <a:srgbClr val="000000"/>
                     </a:solidFill>
@@ -12569,7 +12569,7 @@
               </a:ln>
               <a:extLst>
                 <a:ext uri="{91240B29-F687-4f45-9708-019B960494DF}">
-                  <a14:hiddenLine xmlns:a14="http://schemas.microsoft.com/office/drawing/2010/main" xmlns="" w="9525">
+                  <a14:hiddenLine xmlns="" xmlns:a14="http://schemas.microsoft.com/office/drawing/2010/main" w="9525">
                     <a:solidFill>
                       <a:srgbClr val="000000"/>
                     </a:solidFill>
@@ -12603,7 +12603,7 @@
               </a:ln>
               <a:extLst>
                 <a:ext uri="{91240B29-F687-4f45-9708-019B960494DF}">
-                  <a14:hiddenLine xmlns:a14="http://schemas.microsoft.com/office/drawing/2010/main" xmlns="" w="9525">
+                  <a14:hiddenLine xmlns="" xmlns:a14="http://schemas.microsoft.com/office/drawing/2010/main" w="9525">
                     <a:solidFill>
                       <a:srgbClr val="000000"/>
                     </a:solidFill>
@@ -12743,7 +12743,7 @@
           <a:p>
             <a:fld id="{FBB5C724-FB93-4F33-BB48-DEEB56A0EDC6}" type="datetimeFigureOut">
               <a:rPr lang="en-US" smtClean="0"/>
-              <a:t>11/11/2014</a:t>
+              <a:t>11/12/2014</a:t>
             </a:fld>
             <a:endParaRPr lang="en-US"/>
           </a:p>
@@ -14355,65 +14355,53 @@
           </a:bodyPr>
           <a:lstStyle/>
           <a:p>
+            <a:pPr algn="just"/>
             <a:r>
               <a:rPr lang="en-US" sz="3200" dirty="0"/>
-              <a:t>our project aims to establish </a:t>
-            </a:r>
-            <a:r>
-              <a:rPr lang="en-US" sz="3200" dirty="0" smtClean="0"/>
-              <a:t>a software </a:t>
-            </a:r>
+              <a:t>Our project take coordinates of location that user want to build turbines on it then check if this place suitable to build turbines or not based on algorithms that calculate wind energy in this place, direction of wind </a:t>
+            </a:r>
+          </a:p>
+          <a:p>
+            <a:pPr marL="0" indent="0" algn="just">
+              <a:buNone/>
+            </a:pPr>
             <a:r>
               <a:rPr lang="en-US" sz="3200" dirty="0"/>
-              <a:t>that calculate wind speed </a:t>
-            </a:r>
-            <a:r>
-              <a:rPr lang="en-US" sz="3200" dirty="0" smtClean="0"/>
-              <a:t> to </a:t>
-            </a:r>
+              <a:t>  based on this calculation we accept or reject this place</a:t>
+            </a:r>
+          </a:p>
+          <a:p>
+            <a:pPr marL="0" indent="0" algn="just">
+              <a:buNone/>
+            </a:pPr>
             <a:r>
               <a:rPr lang="en-US" sz="3200" dirty="0"/>
-              <a:t>know where to build wind turbines that generate energy so </a:t>
-            </a:r>
-            <a:r>
-              <a:rPr lang="en-US" sz="3200" dirty="0" smtClean="0">
-                <a:sym typeface="Wingdings" panose="05000000000000000000" pitchFamily="2" charset="2"/>
-              </a:rPr>
-              <a:t></a:t>
-            </a:r>
-            <a:endParaRPr lang="en-US" sz="3200" dirty="0" smtClean="0"/>
-          </a:p>
-          <a:p>
-            <a:r>
-              <a:rPr lang="en-US" sz="3200" dirty="0" smtClean="0"/>
-              <a:t>we </a:t>
-            </a:r>
+              <a:t> - if we accept it   then we will distribute turbines</a:t>
+            </a:r>
+          </a:p>
+          <a:p>
+            <a:pPr marL="0" indent="0" algn="just">
+              <a:buNone/>
+            </a:pPr>
             <a:r>
               <a:rPr lang="en-US" sz="3200" dirty="0"/>
-              <a:t>need to know wind speed and tell users about locations using our system </a:t>
-            </a:r>
-            <a:r>
-              <a:rPr lang="en-US" sz="3200" dirty="0" smtClean="0"/>
-              <a:t>if this location is best place or not if this place is the best then </a:t>
-            </a:r>
-          </a:p>
-          <a:p>
-            <a:r>
-              <a:rPr lang="en-US" sz="3200" dirty="0" smtClean="0"/>
-              <a:t>We need to know the number of turbines needed and show distribution of turbines on the map </a:t>
+              <a:t>  on map in this location and distance between them </a:t>
+            </a:r>
+          </a:p>
+          <a:p>
+            <a:pPr marL="0" indent="0" algn="just">
+              <a:buNone/>
+            </a:pPr>
+            <a:r>
+              <a:rPr lang="en-US" sz="3200" dirty="0"/>
+              <a:t>  - else user will change coordinates.</a:t>
             </a:r>
           </a:p>
           <a:p>
             <a:endParaRPr lang="en-US" sz="3200" dirty="0"/>
           </a:p>
           <a:p>
-            <a:pPr marL="0" indent="0">
-              <a:buNone/>
-            </a:pPr>
-            <a:r>
-              <a:rPr lang="en-US" sz="3200" dirty="0"/>
-              <a:t> </a:t>
-            </a:r>
+            <a:endParaRPr lang="en-US" sz="3200" dirty="0"/>
           </a:p>
         </p:txBody>
       </p:sp>
@@ -14502,34 +14490,18 @@
           <a:bodyPr/>
           <a:lstStyle/>
           <a:p>
+            <a:pPr marL="0" indent="0">
+              <a:buNone/>
+            </a:pPr>
             <a:r>
               <a:rPr lang="en-US" dirty="0"/>
-              <a:t>We need to calculate power of turbine based on wind speed  </a:t>
-            </a:r>
-          </a:p>
-          <a:p>
-            <a:r>
-              <a:rPr lang="en-US" dirty="0"/>
-              <a:t>Check this power enough to generate </a:t>
-            </a:r>
-            <a:r>
-              <a:rPr lang="en-US" dirty="0" smtClean="0"/>
-              <a:t>electricity</a:t>
-            </a:r>
-          </a:p>
-          <a:p>
-            <a:r>
-              <a:rPr lang="en-US" dirty="0"/>
-              <a:t>If true Siting of the turbines in the space required and the distances specified</a:t>
+              <a:t>we need to check suitable location or not based on wind speed , calculate power of turbine based on wind speed , calculate number of turbines based on  distance of farm and establish distance between the turbines</a:t>
             </a:r>
           </a:p>
           <a:p>
             <a:pPr marL="0" indent="0">
               <a:buNone/>
             </a:pPr>
-            <a:endParaRPr lang="en-US" dirty="0"/>
-          </a:p>
-          <a:p>
             <a:endParaRPr lang="en-US" dirty="0"/>
           </a:p>
         </p:txBody>
